--- a/自宅介護みまもりくん.pptx
+++ b/自宅介護みまもりくん.pptx
@@ -10,6 +10,9 @@
     <p:sldId id="258" r:id="rId4"/>
     <p:sldId id="259" r:id="rId5"/>
     <p:sldId id="260" r:id="rId6"/>
+    <p:sldId id="262" r:id="rId7"/>
+    <p:sldId id="261" r:id="rId8"/>
+    <p:sldId id="263" r:id="rId9"/>
   </p:sldIdLst>
   <p:sldSz cx="12192000" cy="6858000"/>
   <p:notesSz cx="6858000" cy="9144000"/>
@@ -108,6 +111,11 @@
       </a:defRPr>
     </a:lvl9pPr>
   </p:defaultTextStyle>
+  <p:extLst>
+    <p:ext uri="{EFAFB233-063F-42B5-8137-9DF3F51BA10A}">
+      <p15:sldGuideLst xmlns:p15="http://schemas.microsoft.com/office/powerpoint/2012/main"/>
+    </p:ext>
+  </p:extLst>
 </p:presentation>
 </file>
 
@@ -4112,6 +4120,276 @@
 </p:sld>
 </file>
 
+<file path=ppt/slides/slide6.xml><?xml version="1.0" encoding="utf-8"?>
+<p:sld xmlns:a="http://schemas.openxmlformats.org/drawingml/2006/main" xmlns:r="http://schemas.openxmlformats.org/officeDocument/2006/relationships" xmlns:p="http://schemas.openxmlformats.org/presentationml/2006/main">
+  <p:cSld>
+    <p:spTree>
+      <p:nvGrpSpPr>
+        <p:cNvPr id="1" name=""/>
+        <p:cNvGrpSpPr/>
+        <p:nvPr/>
+      </p:nvGrpSpPr>
+      <p:grpSpPr>
+        <a:xfrm>
+          <a:off x="0" y="0"/>
+          <a:ext cx="0" cy="0"/>
+          <a:chOff x="0" y="0"/>
+          <a:chExt cx="0" cy="0"/>
+        </a:xfrm>
+      </p:grpSpPr>
+      <p:sp>
+        <p:nvSpPr>
+          <p:cNvPr id="2" name="タイトル 1">
+            <a:extLst>
+              <a:ext uri="{FF2B5EF4-FFF2-40B4-BE49-F238E27FC236}">
+                <a16:creationId xmlns:a16="http://schemas.microsoft.com/office/drawing/2014/main" id="{6E9F8FDA-E08B-4A35-A611-094B85C1B18D}"/>
+              </a:ext>
+            </a:extLst>
+          </p:cNvPr>
+          <p:cNvSpPr>
+            <a:spLocks noGrp="1"/>
+          </p:cNvSpPr>
+          <p:nvPr>
+            <p:ph type="title"/>
+          </p:nvPr>
+        </p:nvSpPr>
+        <p:spPr/>
+        <p:txBody>
+          <a:bodyPr/>
+          <a:lstStyle/>
+          <a:p>
+            <a:endParaRPr kumimoji="1" lang="ja-JP" altLang="en-US"/>
+          </a:p>
+        </p:txBody>
+      </p:sp>
+      <p:pic>
+        <p:nvPicPr>
+          <p:cNvPr id="5" name="コンテンツ プレースホルダー 4">
+            <a:extLst>
+              <a:ext uri="{FF2B5EF4-FFF2-40B4-BE49-F238E27FC236}">
+                <a16:creationId xmlns:a16="http://schemas.microsoft.com/office/drawing/2014/main" id="{6E735A7E-1B45-4ECF-868B-923A240C6BA9}"/>
+              </a:ext>
+            </a:extLst>
+          </p:cNvPr>
+          <p:cNvPicPr>
+            <a:picLocks noGrp="1" noChangeAspect="1"/>
+          </p:cNvPicPr>
+          <p:nvPr>
+            <p:ph idx="1"/>
+          </p:nvPr>
+        </p:nvPicPr>
+        <p:blipFill>
+          <a:blip r:embed="rId2">
+            <a:extLst>
+              <a:ext uri="{28A0092B-C50C-407E-A947-70E740481C1C}">
+                <a14:useLocalDpi xmlns:a14="http://schemas.microsoft.com/office/drawing/2010/main" val="0"/>
+              </a:ext>
+            </a:extLst>
+          </a:blip>
+          <a:stretch>
+            <a:fillRect/>
+          </a:stretch>
+        </p:blipFill>
+        <p:spPr>
+          <a:xfrm>
+            <a:off x="2419630" y="1005119"/>
+            <a:ext cx="7540159" cy="5017633"/>
+          </a:xfrm>
+        </p:spPr>
+      </p:pic>
+    </p:spTree>
+    <p:extLst>
+      <p:ext uri="{BB962C8B-B14F-4D97-AF65-F5344CB8AC3E}">
+        <p14:creationId xmlns:p14="http://schemas.microsoft.com/office/powerpoint/2010/main" val="2206788634"/>
+      </p:ext>
+    </p:extLst>
+  </p:cSld>
+  <p:clrMapOvr>
+    <a:masterClrMapping/>
+  </p:clrMapOvr>
+</p:sld>
+</file>
+
+<file path=ppt/slides/slide7.xml><?xml version="1.0" encoding="utf-8"?>
+<p:sld xmlns:a="http://schemas.openxmlformats.org/drawingml/2006/main" xmlns:r="http://schemas.openxmlformats.org/officeDocument/2006/relationships" xmlns:p="http://schemas.openxmlformats.org/presentationml/2006/main">
+  <p:cSld>
+    <p:spTree>
+      <p:nvGrpSpPr>
+        <p:cNvPr id="1" name=""/>
+        <p:cNvGrpSpPr/>
+        <p:nvPr/>
+      </p:nvGrpSpPr>
+      <p:grpSpPr>
+        <a:xfrm>
+          <a:off x="0" y="0"/>
+          <a:ext cx="0" cy="0"/>
+          <a:chOff x="0" y="0"/>
+          <a:chExt cx="0" cy="0"/>
+        </a:xfrm>
+      </p:grpSpPr>
+      <p:sp>
+        <p:nvSpPr>
+          <p:cNvPr id="2" name="タイトル 1">
+            <a:extLst>
+              <a:ext uri="{FF2B5EF4-FFF2-40B4-BE49-F238E27FC236}">
+                <a16:creationId xmlns:a16="http://schemas.microsoft.com/office/drawing/2014/main" id="{494C1CA0-1855-4439-AFE6-895127223373}"/>
+              </a:ext>
+            </a:extLst>
+          </p:cNvPr>
+          <p:cNvSpPr>
+            <a:spLocks noGrp="1"/>
+          </p:cNvSpPr>
+          <p:nvPr>
+            <p:ph type="title"/>
+          </p:nvPr>
+        </p:nvSpPr>
+        <p:spPr/>
+        <p:txBody>
+          <a:bodyPr/>
+          <a:lstStyle/>
+          <a:p>
+            <a:endParaRPr kumimoji="1" lang="ja-JP" altLang="en-US"/>
+          </a:p>
+        </p:txBody>
+      </p:sp>
+      <p:pic>
+        <p:nvPicPr>
+          <p:cNvPr id="5" name="コンテンツ プレースホルダー 4">
+            <a:extLst>
+              <a:ext uri="{FF2B5EF4-FFF2-40B4-BE49-F238E27FC236}">
+                <a16:creationId xmlns:a16="http://schemas.microsoft.com/office/drawing/2014/main" id="{EE12C21F-3571-43AD-9B87-102E5942B7C4}"/>
+              </a:ext>
+            </a:extLst>
+          </p:cNvPr>
+          <p:cNvPicPr>
+            <a:picLocks noGrp="1" noChangeAspect="1"/>
+          </p:cNvPicPr>
+          <p:nvPr>
+            <p:ph idx="1"/>
+          </p:nvPr>
+        </p:nvPicPr>
+        <p:blipFill>
+          <a:blip r:embed="rId2">
+            <a:extLst>
+              <a:ext uri="{28A0092B-C50C-407E-A947-70E740481C1C}">
+                <a14:useLocalDpi xmlns:a14="http://schemas.microsoft.com/office/drawing/2010/main" val="0"/>
+              </a:ext>
+            </a:extLst>
+          </a:blip>
+          <a:stretch>
+            <a:fillRect/>
+          </a:stretch>
+        </p:blipFill>
+        <p:spPr>
+          <a:xfrm>
+            <a:off x="2496470" y="777502"/>
+            <a:ext cx="7574660" cy="5040592"/>
+          </a:xfrm>
+        </p:spPr>
+      </p:pic>
+    </p:spTree>
+    <p:extLst>
+      <p:ext uri="{BB962C8B-B14F-4D97-AF65-F5344CB8AC3E}">
+        <p14:creationId xmlns:p14="http://schemas.microsoft.com/office/powerpoint/2010/main" val="4090313700"/>
+      </p:ext>
+    </p:extLst>
+  </p:cSld>
+  <p:clrMapOvr>
+    <a:masterClrMapping/>
+  </p:clrMapOvr>
+</p:sld>
+</file>
+
+<file path=ppt/slides/slide8.xml><?xml version="1.0" encoding="utf-8"?>
+<p:sld xmlns:a="http://schemas.openxmlformats.org/drawingml/2006/main" xmlns:r="http://schemas.openxmlformats.org/officeDocument/2006/relationships" xmlns:p="http://schemas.openxmlformats.org/presentationml/2006/main">
+  <p:cSld>
+    <p:spTree>
+      <p:nvGrpSpPr>
+        <p:cNvPr id="1" name=""/>
+        <p:cNvGrpSpPr/>
+        <p:nvPr/>
+      </p:nvGrpSpPr>
+      <p:grpSpPr>
+        <a:xfrm>
+          <a:off x="0" y="0"/>
+          <a:ext cx="0" cy="0"/>
+          <a:chOff x="0" y="0"/>
+          <a:chExt cx="0" cy="0"/>
+        </a:xfrm>
+      </p:grpSpPr>
+      <p:sp>
+        <p:nvSpPr>
+          <p:cNvPr id="2" name="タイトル 1">
+            <a:extLst>
+              <a:ext uri="{FF2B5EF4-FFF2-40B4-BE49-F238E27FC236}">
+                <a16:creationId xmlns:a16="http://schemas.microsoft.com/office/drawing/2014/main" id="{F9DABBD6-3831-475E-B0E6-DC6F5BE42523}"/>
+              </a:ext>
+            </a:extLst>
+          </p:cNvPr>
+          <p:cNvSpPr>
+            <a:spLocks noGrp="1"/>
+          </p:cNvSpPr>
+          <p:nvPr>
+            <p:ph type="title"/>
+          </p:nvPr>
+        </p:nvSpPr>
+        <p:spPr/>
+        <p:txBody>
+          <a:bodyPr/>
+          <a:lstStyle/>
+          <a:p>
+            <a:endParaRPr kumimoji="1" lang="ja-JP" altLang="en-US"/>
+          </a:p>
+        </p:txBody>
+      </p:sp>
+      <p:pic>
+        <p:nvPicPr>
+          <p:cNvPr id="5" name="コンテンツ プレースホルダー 4">
+            <a:extLst>
+              <a:ext uri="{FF2B5EF4-FFF2-40B4-BE49-F238E27FC236}">
+                <a16:creationId xmlns:a16="http://schemas.microsoft.com/office/drawing/2014/main" id="{A772347C-A0B3-41A4-929C-85627839D3D7}"/>
+              </a:ext>
+            </a:extLst>
+          </p:cNvPr>
+          <p:cNvPicPr>
+            <a:picLocks noGrp="1" noChangeAspect="1"/>
+          </p:cNvPicPr>
+          <p:nvPr>
+            <p:ph idx="1"/>
+          </p:nvPr>
+        </p:nvPicPr>
+        <p:blipFill>
+          <a:blip r:embed="rId2">
+            <a:extLst>
+              <a:ext uri="{28A0092B-C50C-407E-A947-70E740481C1C}">
+                <a14:useLocalDpi xmlns:a14="http://schemas.microsoft.com/office/drawing/2010/main" val="0"/>
+              </a:ext>
+            </a:extLst>
+          </a:blip>
+          <a:stretch>
+            <a:fillRect/>
+          </a:stretch>
+        </p:blipFill>
+        <p:spPr>
+          <a:xfrm>
+            <a:off x="2317376" y="674033"/>
+            <a:ext cx="7346577" cy="5509933"/>
+          </a:xfrm>
+        </p:spPr>
+      </p:pic>
+    </p:spTree>
+    <p:extLst>
+      <p:ext uri="{BB962C8B-B14F-4D97-AF65-F5344CB8AC3E}">
+        <p14:creationId xmlns:p14="http://schemas.microsoft.com/office/powerpoint/2010/main" val="3715320272"/>
+      </p:ext>
+    </p:extLst>
+  </p:cSld>
+  <p:clrMapOvr>
+    <a:masterClrMapping/>
+  </p:clrMapOvr>
+</p:sld>
+</file>
+
 <file path=ppt/theme/theme1.xml><?xml version="1.0" encoding="utf-8"?>
 <a:theme xmlns:a="http://schemas.openxmlformats.org/drawingml/2006/main" name="Office テーマ">
   <a:themeElements>

--- a/自宅介護みまもりくん.pptx
+++ b/自宅介護みまもりくん.pptx
@@ -4254,10 +4254,10 @@
       </p:sp>
       <p:pic>
         <p:nvPicPr>
-          <p:cNvPr id="5" name="コンテンツ プレースホルダー 4">
-            <a:extLst>
-              <a:ext uri="{FF2B5EF4-FFF2-40B4-BE49-F238E27FC236}">
-                <a16:creationId xmlns:a16="http://schemas.microsoft.com/office/drawing/2014/main" id="{EE12C21F-3571-43AD-9B87-102E5942B7C4}"/>
+          <p:cNvPr id="7" name="コンテンツ プレースホルダー 6">
+            <a:extLst>
+              <a:ext uri="{FF2B5EF4-FFF2-40B4-BE49-F238E27FC236}">
+                <a16:creationId xmlns:a16="http://schemas.microsoft.com/office/drawing/2014/main" id="{C49370F8-9954-4812-90C8-4DC66A2F004B}"/>
               </a:ext>
             </a:extLst>
           </p:cNvPr>
@@ -4282,8 +4282,8 @@
         </p:blipFill>
         <p:spPr>
           <a:xfrm>
-            <a:off x="2496470" y="777502"/>
-            <a:ext cx="7574660" cy="5040592"/>
+            <a:off x="3033432" y="365125"/>
+            <a:ext cx="5536826" cy="6189754"/>
           </a:xfrm>
         </p:spPr>
       </p:pic>
